--- a/reports/Week 4 Presentation/Compiled Presentation 1.pptx
+++ b/reports/Week 4 Presentation/Compiled Presentation 1.pptx
@@ -20352,8 +20352,24 @@
             </a:pPr>
             <a:r>
               <a:rPr lang="en-US" dirty="0"/>
-              <a:t>Learn more about imbalance.</a:t>
+              <a:t>Learn more about imbalance;</a:t>
             </a:r>
+          </a:p>
+          <a:p>
+            <a:pPr marL="285750" indent="-285750">
+              <a:spcAft>
+                <a:spcPts val="1200"/>
+              </a:spcAft>
+            </a:pPr>
+            <a:r>
+              <a:rPr lang="en-US" dirty="0"/>
+              <a:t>Learn how to work on branches </a:t>
+            </a:r>
+            <a:r>
+              <a:rPr lang="en-US"/>
+              <a:t>on GitHub</a:t>
+            </a:r>
+            <a:endParaRPr lang="en-US" dirty="0"/>
           </a:p>
         </p:txBody>
       </p:sp>

--- a/reports/Week 4 Presentation/Compiled Presentation 1.pptx
+++ b/reports/Week 4 Presentation/Compiled Presentation 1.pptx
@@ -23,16 +23,21 @@
   <p:notesSz cx="6858000" cy="9144000"/>
   <p:embeddedFontLst>
     <p:embeddedFont>
-      <p:font typeface="Roboto" panose="02000000000000000000" pitchFamily="2" charset="0"/>
+      <p:font typeface="Aptos Narrow" panose="020B0004020202020204" pitchFamily="34" charset="0"/>
       <p:regular r:id="rId13"/>
       <p:bold r:id="rId14"/>
-      <p:italic r:id="rId15"/>
-      <p:boldItalic r:id="rId16"/>
+    </p:embeddedFont>
+    <p:embeddedFont>
+      <p:font typeface="Roboto" panose="02000000000000000000" pitchFamily="2" charset="0"/>
+      <p:regular r:id="rId15"/>
+      <p:bold r:id="rId16"/>
+      <p:italic r:id="rId17"/>
+      <p:boldItalic r:id="rId18"/>
     </p:embeddedFont>
     <p:embeddedFont>
       <p:font typeface="Roboto Slab" pitchFamily="2" charset="0"/>
-      <p:regular r:id="rId17"/>
-      <p:bold r:id="rId18"/>
+      <p:regular r:id="rId19"/>
+      <p:bold r:id="rId20"/>
     </p:embeddedFont>
   </p:embeddedFontLst>
   <p:defaultTextStyle>
@@ -1165,8 +1170,8 @@
                   </a:defRPr>
                 </a:pPr>
                 <a:r>
-                  <a:rPr lang="en-CA"/>
-                  <a:t>TARGET</a:t>
+                  <a:rPr lang="en-CA" dirty="0"/>
+                  <a:t>Count of Ids</a:t>
                 </a:r>
               </a:p>
             </c:rich>
@@ -5963,8 +5968,8 @@
                   </a:defRPr>
                 </a:pPr>
                 <a:r>
-                  <a:rPr lang="en-CA"/>
-                  <a:t>OCCUPATION_TYPE</a:t>
+                  <a:rPr lang="en-CA" dirty="0"/>
+                  <a:t>Count of IDs</a:t>
                 </a:r>
               </a:p>
             </c:rich>
@@ -14748,7 +14753,7 @@
             </a:pPr>
             <a:r>
               <a:rPr lang="en" dirty="0"/>
-              <a:t>Credit Card Risk Detection</a:t>
+              <a:t>Fraud Detection</a:t>
             </a:r>
             <a:endParaRPr dirty="0"/>
           </a:p>
@@ -15579,7 +15584,7 @@
             </a:pPr>
             <a:r>
               <a:rPr lang="en" dirty="0"/>
-              <a:t>Credit Card Risk Detection</a:t>
+              <a:t>Fraud Detection</a:t>
             </a:r>
             <a:endParaRPr dirty="0"/>
           </a:p>
@@ -15659,7 +15664,7 @@
             </a:pPr>
             <a:r>
               <a:rPr lang="en-US" dirty="0"/>
-              <a:t>What is Credit Card Fraud?</a:t>
+              <a:t>What is Fraud in Banks?</a:t>
             </a:r>
           </a:p>
           <a:p>
@@ -16737,7 +16742,7 @@
           <p:nvPr>
             <p:extLst>
               <p:ext uri="{D42A27DB-BD31-4B8C-83A1-F6EECF244321}">
-                <p14:modId xmlns:p14="http://schemas.microsoft.com/office/powerpoint/2010/main" val="2212929179"/>
+                <p14:modId xmlns:p14="http://schemas.microsoft.com/office/powerpoint/2010/main" val="4137228927"/>
               </p:ext>
             </p:extLst>
           </p:nvPr>
@@ -20169,7 +20174,7 @@
           <p:nvPr>
             <p:extLst>
               <p:ext uri="{D42A27DB-BD31-4B8C-83A1-F6EECF244321}">
-                <p14:modId xmlns:p14="http://schemas.microsoft.com/office/powerpoint/2010/main" val="3876696047"/>
+                <p14:modId xmlns:p14="http://schemas.microsoft.com/office/powerpoint/2010/main" val="2556993760"/>
               </p:ext>
             </p:extLst>
           </p:nvPr>
